--- a/resources/myRA_presentation.pptx
+++ b/resources/myRA_presentation.pptx
@@ -5,10 +5,10 @@
     <p:sldMasterId id="2147483648" r:id="rId1"/>
   </p:sldMasterIdLst>
   <p:notesMasterIdLst>
-    <p:notesMasterId r:id="rId19"/>
+    <p:notesMasterId r:id="rId18"/>
   </p:notesMasterIdLst>
   <p:handoutMasterIdLst>
-    <p:handoutMasterId r:id="rId20"/>
+    <p:handoutMasterId r:id="rId19"/>
   </p:handoutMasterIdLst>
   <p:sldIdLst>
     <p:sldId id="256" r:id="rId2"/>
@@ -25,9 +25,8 @@
     <p:sldId id="280" r:id="rId13"/>
     <p:sldId id="275" r:id="rId14"/>
     <p:sldId id="276" r:id="rId15"/>
-    <p:sldId id="282" r:id="rId16"/>
-    <p:sldId id="284" r:id="rId17"/>
-    <p:sldId id="283" r:id="rId18"/>
+    <p:sldId id="284" r:id="rId16"/>
+    <p:sldId id="283" r:id="rId17"/>
   </p:sldIdLst>
   <p:sldSz cx="9144000" cy="6858000" type="screen4x3"/>
   <p:notesSz cx="6858000" cy="9144000"/>
@@ -218,7 +217,7 @@
           <a:p>
             <a:fld id="{A35D681C-9CEF-9A47-B678-28B881B8DCD2}" type="datetimeFigureOut">
               <a:rPr lang="en-US" smtClean="0"/>
-              <a:t>11/26/2014</a:t>
+              <a:t>12/15/2014</a:t>
             </a:fld>
             <a:endParaRPr lang="en-US" dirty="0"/>
           </a:p>
@@ -384,7 +383,7 @@
           <a:p>
             <a:fld id="{DDED4C4E-8337-354B-B183-AC8A84DED975}" type="datetimeFigureOut">
               <a:rPr lang="en-US" smtClean="0"/>
-              <a:t>11/26/2014</a:t>
+              <a:t>12/15/2014</a:t>
             </a:fld>
             <a:endParaRPr lang="en-US" dirty="0"/>
           </a:p>
@@ -890,7 +889,7 @@
             <a:fld id="{451A842A-5F00-4C41-884B-1E14AE0C2154}" type="datetime4">
               <a:rPr lang="en-US" smtClean="0"/>
               <a:pPr/>
-              <a:t>November 26, 2014</a:t>
+              <a:t>December 15, 2014</a:t>
             </a:fld>
             <a:endParaRPr lang="en-US" dirty="0"/>
           </a:p>
@@ -2622,7 +2621,7 @@
           <a:p>
             <a:fld id="{B362A17A-ECAD-FF45-8CBF-7AAF24BE1069}" type="datetime4">
               <a:rPr lang="en-US" smtClean="0"/>
-              <a:t>November 26, 2014</a:t>
+              <a:t>December 15, 2014</a:t>
             </a:fld>
             <a:endParaRPr lang="en-US" dirty="0"/>
           </a:p>
@@ -4186,23 +4185,166 @@
           <a:p>
             <a:r>
               <a:rPr lang="en-US" dirty="0" smtClean="0"/>
-              <a:t>When will </a:t>
-            </a:r>
-            <a:r>
-              <a:rPr lang="en-US" i="1" dirty="0" smtClean="0"/>
+              <a:t>Get Ready to Start Saving</a:t>
+            </a:r>
+            <a:endParaRPr lang="en-US" dirty="0"/>
+          </a:p>
+        </p:txBody>
+      </p:sp>
+      <p:sp>
+        <p:nvSpPr>
+          <p:cNvPr id="3" name="Content Placeholder 2"/>
+          <p:cNvSpPr>
+            <a:spLocks noGrp="1"/>
+          </p:cNvSpPr>
+          <p:nvPr>
+            <p:ph idx="1"/>
+          </p:nvPr>
+        </p:nvSpPr>
+        <p:spPr>
+          <a:xfrm>
+            <a:off x="457200" y="1905000"/>
+            <a:ext cx="8229600" cy="4114800"/>
+          </a:xfrm>
+        </p:spPr>
+        <p:txBody>
+          <a:bodyPr/>
+          <a:lstStyle/>
+          <a:p>
+            <a:pPr marL="0" indent="0" algn="ctr">
+              <a:buNone/>
+            </a:pPr>
+            <a:endParaRPr lang="en-US" b="0" dirty="0" smtClean="0"/>
+          </a:p>
+          <a:p>
+            <a:pPr marL="0" indent="0" algn="ctr">
+              <a:buNone/>
+            </a:pPr>
+            <a:r>
+              <a:rPr lang="en-US" sz="3200" b="0" dirty="0" smtClean="0"/>
+              <a:t>For more information, </a:t>
+            </a:r>
+            <a:endParaRPr lang="en-US" sz="3200" b="0" dirty="0" smtClean="0"/>
+          </a:p>
+          <a:p>
+            <a:pPr marL="0" indent="0" algn="ctr">
+              <a:buNone/>
+            </a:pPr>
+            <a:r>
+              <a:rPr lang="en-US" sz="2800" b="0" dirty="0" smtClean="0"/>
+              <a:t>visit</a:t>
+            </a:r>
+            <a:r>
+              <a:rPr lang="en-US" sz="3200" b="0" dirty="0" smtClean="0"/>
+              <a:t> </a:t>
+            </a:r>
+            <a:r>
+              <a:rPr lang="en-US" sz="3600" b="0" i="1" dirty="0" smtClean="0">
+                <a:solidFill>
+                  <a:srgbClr val="002060"/>
+                </a:solidFill>
+              </a:rPr>
               <a:t>my</a:t>
             </a:r>
             <a:r>
-              <a:rPr lang="en-US" dirty="0" smtClean="0"/>
-              <a:t>RA be available?</a:t>
-            </a:r>
-            <a:endParaRPr lang="en-US" dirty="0"/>
-          </a:p>
-        </p:txBody>
-      </p:sp>
-      <p:sp>
-        <p:nvSpPr>
-          <p:cNvPr id="4" name="Slide Number Placeholder 3"/>
+              <a:rPr lang="en-US" sz="3600" b="0" dirty="0" smtClean="0">
+                <a:solidFill>
+                  <a:srgbClr val="002060"/>
+                </a:solidFill>
+              </a:rPr>
+              <a:t>RA.treasury.gov </a:t>
+            </a:r>
+          </a:p>
+          <a:p>
+            <a:pPr marL="0" indent="0" algn="ctr">
+              <a:buNone/>
+            </a:pPr>
+            <a:r>
+              <a:rPr lang="en-US" sz="3200" b="0" dirty="0" smtClean="0"/>
+              <a:t/>
+            </a:r>
+            <a:br>
+              <a:rPr lang="en-US" sz="3200" b="0" dirty="0" smtClean="0"/>
+            </a:br>
+            <a:r>
+              <a:rPr lang="en-US" sz="2800" b="0" dirty="0" smtClean="0"/>
+              <a:t>or </a:t>
+            </a:r>
+            <a:r>
+              <a:rPr lang="en-US" sz="2800" b="0" dirty="0"/>
+              <a:t>call the </a:t>
+            </a:r>
+            <a:r>
+              <a:rPr lang="en-US" sz="2800" b="0" i="1" dirty="0" err="1"/>
+              <a:t>my</a:t>
+            </a:r>
+            <a:r>
+              <a:rPr lang="en-US" sz="2800" b="0" dirty="0" err="1"/>
+              <a:t>RA</a:t>
+            </a:r>
+            <a:r>
+              <a:rPr lang="en-US" sz="2800" b="0" dirty="0"/>
+              <a:t> Customer Support Center at </a:t>
+            </a:r>
+            <a:endParaRPr lang="en-US" sz="2800" b="0" dirty="0" smtClean="0"/>
+          </a:p>
+          <a:p>
+            <a:pPr marL="0" indent="0" algn="ctr">
+              <a:buNone/>
+            </a:pPr>
+            <a:r>
+              <a:rPr lang="en-US" sz="2800" b="0" dirty="0" smtClean="0">
+                <a:solidFill>
+                  <a:schemeClr val="accent5"/>
+                </a:solidFill>
+              </a:rPr>
+              <a:t>855-406-6972</a:t>
+            </a:r>
+            <a:r>
+              <a:rPr lang="en-US" sz="2800" b="0" dirty="0" smtClean="0"/>
+              <a:t> </a:t>
+            </a:r>
+            <a:r>
+              <a:rPr lang="en-US" sz="2800" b="0" dirty="0"/>
+              <a:t>or </a:t>
+            </a:r>
+            <a:r>
+              <a:rPr lang="en-US" sz="2800" b="0" dirty="0">
+                <a:solidFill>
+                  <a:schemeClr val="accent5"/>
+                </a:solidFill>
+              </a:rPr>
+              <a:t>TTY/TDD 855-408-6972 </a:t>
+            </a:r>
+            <a:r>
+              <a:rPr lang="en-US" sz="2800" b="0" dirty="0"/>
+              <a:t>or International </a:t>
+            </a:r>
+            <a:r>
+              <a:rPr lang="en-US" sz="2800" b="0" dirty="0">
+                <a:solidFill>
+                  <a:schemeClr val="accent5"/>
+                </a:solidFill>
+              </a:rPr>
+              <a:t>1-414-365-9616</a:t>
+            </a:r>
+            <a:endParaRPr lang="en-US" sz="2800" b="0" dirty="0" smtClean="0">
+              <a:solidFill>
+                <a:schemeClr val="accent5"/>
+              </a:solidFill>
+            </a:endParaRPr>
+          </a:p>
+          <a:p>
+            <a:endParaRPr lang="en-US" dirty="0" smtClean="0"/>
+          </a:p>
+          <a:p>
+            <a:endParaRPr lang="en-US" dirty="0"/>
+          </a:p>
+        </p:txBody>
+      </p:sp>
+      <p:sp>
+        <p:nvSpPr>
+          <p:cNvPr id="5" name="Slide Number Placeholder 4"/>
           <p:cNvSpPr>
             <a:spLocks noGrp="1"/>
           </p:cNvSpPr>
@@ -4226,7 +4368,7 @@
       </p:sp>
       <p:sp>
         <p:nvSpPr>
-          <p:cNvPr id="5" name="Footer Placeholder 3"/>
+          <p:cNvPr id="7" name="Footer Placeholder 3"/>
           <p:cNvSpPr>
             <a:spLocks noGrp="1"/>
           </p:cNvSpPr>
@@ -4267,7 +4409,7 @@
     </p:spTree>
     <p:extLst>
       <p:ext uri="{BB962C8B-B14F-4D97-AF65-F5344CB8AC3E}">
-        <p14:creationId xmlns:p14="http://schemas.microsoft.com/office/powerpoint/2010/main" val="2529082021"/>
+        <p14:creationId xmlns:p14="http://schemas.microsoft.com/office/powerpoint/2010/main" val="725825830"/>
       </p:ext>
     </p:extLst>
   </p:cSld>
@@ -4296,7 +4438,7 @@
       </p:grpSpPr>
       <p:sp>
         <p:nvSpPr>
-          <p:cNvPr id="2" name="Title 1"/>
+          <p:cNvPr id="6" name="Title 5"/>
           <p:cNvSpPr>
             <a:spLocks noGrp="1"/>
           </p:cNvSpPr>
@@ -4311,97 +4453,8 @@
           <a:p>
             <a:r>
               <a:rPr lang="en-US" dirty="0" smtClean="0"/>
-              <a:t>Get Ready to Start Saving</a:t>
-            </a:r>
-            <a:endParaRPr lang="en-US" dirty="0"/>
-          </a:p>
-        </p:txBody>
-      </p:sp>
-      <p:sp>
-        <p:nvSpPr>
-          <p:cNvPr id="3" name="Content Placeholder 2"/>
-          <p:cNvSpPr>
-            <a:spLocks noGrp="1"/>
-          </p:cNvSpPr>
-          <p:nvPr>
-            <p:ph idx="1"/>
-          </p:nvPr>
-        </p:nvSpPr>
-        <p:spPr>
-          <a:xfrm>
-            <a:off x="457200" y="2390775"/>
-            <a:ext cx="8229600" cy="2757776"/>
-          </a:xfrm>
-        </p:spPr>
-        <p:txBody>
-          <a:bodyPr/>
-          <a:lstStyle/>
-          <a:p>
-            <a:pPr marL="0" indent="0" algn="ctr">
-              <a:buNone/>
-            </a:pPr>
-            <a:r>
-              <a:rPr lang="en-US" sz="2800" b="0" dirty="0" smtClean="0"/>
-              <a:t>You will be able to sign up for a </a:t>
-            </a:r>
-            <a:r>
-              <a:rPr lang="en-US" sz="2800" b="0" i="1" dirty="0" err="1" smtClean="0"/>
-              <a:t>my</a:t>
-            </a:r>
-            <a:r>
-              <a:rPr lang="en-US" sz="2800" b="0" dirty="0" err="1" smtClean="0"/>
-              <a:t>RA</a:t>
-            </a:r>
-            <a:r>
-              <a:rPr lang="en-US" sz="2800" b="0" dirty="0" smtClean="0"/>
-              <a:t> soon. </a:t>
-            </a:r>
-          </a:p>
-          <a:p>
-            <a:pPr marL="0" indent="0" algn="ctr">
-              <a:buNone/>
-            </a:pPr>
-            <a:r>
-              <a:rPr lang="en-US" sz="2800" b="0" dirty="0" smtClean="0"/>
-              <a:t>Watch for more details.</a:t>
-            </a:r>
-            <a:endParaRPr lang="en-US" sz="2800" b="0" dirty="0"/>
-          </a:p>
-          <a:p>
-            <a:pPr marL="0" indent="0" algn="ctr">
-              <a:buNone/>
-            </a:pPr>
-            <a:endParaRPr lang="en-US" b="0" dirty="0" smtClean="0"/>
-          </a:p>
-          <a:p>
-            <a:pPr marL="0" indent="0" algn="ctr">
-              <a:buNone/>
-            </a:pPr>
-            <a:r>
-              <a:rPr lang="en-US" sz="2400" b="0" dirty="0" smtClean="0"/>
-              <a:t>For more information, visit </a:t>
-            </a:r>
-            <a:r>
-              <a:rPr lang="en-US" sz="2400" b="0" i="1" dirty="0" smtClean="0">
-                <a:solidFill>
-                  <a:srgbClr val="002060"/>
-                </a:solidFill>
-              </a:rPr>
-              <a:t>my</a:t>
-            </a:r>
-            <a:r>
-              <a:rPr lang="en-US" sz="2400" b="0" dirty="0" smtClean="0">
-                <a:solidFill>
-                  <a:srgbClr val="002060"/>
-                </a:solidFill>
-              </a:rPr>
-              <a:t>RA.treasury.gov</a:t>
-            </a:r>
-          </a:p>
-          <a:p>
-            <a:endParaRPr lang="en-US" dirty="0" smtClean="0"/>
-          </a:p>
-          <a:p>
+              <a:t>Questions?</a:t>
+            </a:r>
             <a:endParaRPr lang="en-US" dirty="0"/>
           </a:p>
         </p:txBody>
@@ -4423,124 +4476,7 @@
           <a:p>
             <a:fld id="{BF85AA64-C0B2-464B-93BE-3932701A39D0}" type="slidenum">
               <a:rPr lang="en-US" smtClean="0"/>
-              <a:pPr/>
               <a:t>16</a:t>
-            </a:fld>
-            <a:endParaRPr lang="en-US" dirty="0"/>
-          </a:p>
-        </p:txBody>
-      </p:sp>
-      <p:sp>
-        <p:nvSpPr>
-          <p:cNvPr id="7" name="Footer Placeholder 3"/>
-          <p:cNvSpPr>
-            <a:spLocks noGrp="1"/>
-          </p:cNvSpPr>
-          <p:nvPr>
-            <p:ph type="ftr" sz="quarter" idx="11"/>
-          </p:nvPr>
-        </p:nvSpPr>
-        <p:spPr>
-          <a:xfrm>
-            <a:off x="599370" y="6334511"/>
-            <a:ext cx="7824998" cy="365125"/>
-          </a:xfrm>
-        </p:spPr>
-        <p:txBody>
-          <a:bodyPr/>
-          <a:lstStyle/>
-          <a:p>
-            <a:r>
-              <a:rPr lang="en-US" i="1" dirty="0" smtClean="0"/>
-              <a:t>my</a:t>
-            </a:r>
-            <a:r>
-              <a:rPr lang="en-US" dirty="0" smtClean="0"/>
-              <a:t>RA | </a:t>
-            </a:r>
-            <a:r>
-              <a:rPr lang="en-US" i="1" dirty="0" smtClean="0"/>
-              <a:t>my</a:t>
-            </a:r>
-            <a:r>
-              <a:rPr lang="en-US" dirty="0" smtClean="0"/>
-              <a:t> Retirement Account | U.S. Department of the Treasury</a:t>
-            </a:r>
-            <a:endParaRPr lang="en-US" dirty="0"/>
-          </a:p>
-        </p:txBody>
-      </p:sp>
-    </p:spTree>
-    <p:extLst>
-      <p:ext uri="{BB962C8B-B14F-4D97-AF65-F5344CB8AC3E}">
-        <p14:creationId xmlns:p14="http://schemas.microsoft.com/office/powerpoint/2010/main" val="725825830"/>
-      </p:ext>
-    </p:extLst>
-  </p:cSld>
-  <p:clrMapOvr>
-    <a:masterClrMapping/>
-  </p:clrMapOvr>
-</p:sld>
-</file>
-
-<file path=ppt/slides/slide17.xml><?xml version="1.0" encoding="utf-8"?>
-<p:sld xmlns:a="http://schemas.openxmlformats.org/drawingml/2006/main" xmlns:r="http://schemas.openxmlformats.org/officeDocument/2006/relationships" xmlns:p="http://schemas.openxmlformats.org/presentationml/2006/main">
-  <p:cSld>
-    <p:spTree>
-      <p:nvGrpSpPr>
-        <p:cNvPr id="1" name=""/>
-        <p:cNvGrpSpPr/>
-        <p:nvPr/>
-      </p:nvGrpSpPr>
-      <p:grpSpPr>
-        <a:xfrm>
-          <a:off x="0" y="0"/>
-          <a:ext cx="0" cy="0"/>
-          <a:chOff x="0" y="0"/>
-          <a:chExt cx="0" cy="0"/>
-        </a:xfrm>
-      </p:grpSpPr>
-      <p:sp>
-        <p:nvSpPr>
-          <p:cNvPr id="6" name="Title 5"/>
-          <p:cNvSpPr>
-            <a:spLocks noGrp="1"/>
-          </p:cNvSpPr>
-          <p:nvPr>
-            <p:ph type="title"/>
-          </p:nvPr>
-        </p:nvSpPr>
-        <p:spPr/>
-        <p:txBody>
-          <a:bodyPr/>
-          <a:lstStyle/>
-          <a:p>
-            <a:r>
-              <a:rPr lang="en-US" dirty="0" smtClean="0"/>
-              <a:t>Questions?</a:t>
-            </a:r>
-            <a:endParaRPr lang="en-US" dirty="0"/>
-          </a:p>
-        </p:txBody>
-      </p:sp>
-      <p:sp>
-        <p:nvSpPr>
-          <p:cNvPr id="5" name="Slide Number Placeholder 4"/>
-          <p:cNvSpPr>
-            <a:spLocks noGrp="1"/>
-          </p:cNvSpPr>
-          <p:nvPr>
-            <p:ph type="sldNum" sz="quarter" idx="12"/>
-          </p:nvPr>
-        </p:nvSpPr>
-        <p:spPr/>
-        <p:txBody>
-          <a:bodyPr/>
-          <a:lstStyle/>
-          <a:p>
-            <a:fld id="{BF85AA64-C0B2-464B-93BE-3932701A39D0}" type="slidenum">
-              <a:rPr lang="en-US" smtClean="0"/>
-              <a:t>17</a:t>
             </a:fld>
             <a:endParaRPr lang="en-US" dirty="0"/>
           </a:p>
